--- a/Dashboard/Driver background.pptx
+++ b/Dashboard/Driver background.pptx
@@ -197,7 +197,7 @@
           <a:p>
             <a:fld id="{3CF591F3-3830-45F1-83A4-BCC5E0FCDD99}" type="datetimeFigureOut">
               <a:rPr lang="pt-BR" smtClean="0"/>
-              <a:t>16/03/2021</a:t>
+              <a:t>18/03/2021</a:t>
             </a:fld>
             <a:endParaRPr lang="pt-BR"/>
           </a:p>
@@ -839,7 +839,7 @@
           <a:p>
             <a:fld id="{627ED9C8-F09A-4D9E-BEC0-4725162E21FF}" type="datetimeFigureOut">
               <a:rPr lang="en-US" smtClean="0"/>
-              <a:t>3/16/2021</a:t>
+              <a:t>3/18/2021</a:t>
             </a:fld>
             <a:endParaRPr lang="en-US"/>
           </a:p>
@@ -1007,7 +1007,7 @@
           <a:p>
             <a:fld id="{627ED9C8-F09A-4D9E-BEC0-4725162E21FF}" type="datetimeFigureOut">
               <a:rPr lang="en-US" smtClean="0"/>
-              <a:t>3/16/2021</a:t>
+              <a:t>3/18/2021</a:t>
             </a:fld>
             <a:endParaRPr lang="en-US"/>
           </a:p>
@@ -1185,7 +1185,7 @@
           <a:p>
             <a:fld id="{627ED9C8-F09A-4D9E-BEC0-4725162E21FF}" type="datetimeFigureOut">
               <a:rPr lang="en-US" smtClean="0"/>
-              <a:t>3/16/2021</a:t>
+              <a:t>3/18/2021</a:t>
             </a:fld>
             <a:endParaRPr lang="en-US"/>
           </a:p>
@@ -1353,7 +1353,7 @@
           <a:p>
             <a:fld id="{627ED9C8-F09A-4D9E-BEC0-4725162E21FF}" type="datetimeFigureOut">
               <a:rPr lang="en-US" smtClean="0"/>
-              <a:t>3/16/2021</a:t>
+              <a:t>3/18/2021</a:t>
             </a:fld>
             <a:endParaRPr lang="en-US"/>
           </a:p>
@@ -1598,7 +1598,7 @@
           <a:p>
             <a:fld id="{627ED9C8-F09A-4D9E-BEC0-4725162E21FF}" type="datetimeFigureOut">
               <a:rPr lang="en-US" smtClean="0"/>
-              <a:t>3/16/2021</a:t>
+              <a:t>3/18/2021</a:t>
             </a:fld>
             <a:endParaRPr lang="en-US"/>
           </a:p>
@@ -1827,7 +1827,7 @@
           <a:p>
             <a:fld id="{627ED9C8-F09A-4D9E-BEC0-4725162E21FF}" type="datetimeFigureOut">
               <a:rPr lang="en-US" smtClean="0"/>
-              <a:t>3/16/2021</a:t>
+              <a:t>3/18/2021</a:t>
             </a:fld>
             <a:endParaRPr lang="en-US"/>
           </a:p>
@@ -2191,7 +2191,7 @@
           <a:p>
             <a:fld id="{627ED9C8-F09A-4D9E-BEC0-4725162E21FF}" type="datetimeFigureOut">
               <a:rPr lang="en-US" smtClean="0"/>
-              <a:t>3/16/2021</a:t>
+              <a:t>3/18/2021</a:t>
             </a:fld>
             <a:endParaRPr lang="en-US"/>
           </a:p>
@@ -2308,7 +2308,7 @@
           <a:p>
             <a:fld id="{627ED9C8-F09A-4D9E-BEC0-4725162E21FF}" type="datetimeFigureOut">
               <a:rPr lang="en-US" smtClean="0"/>
-              <a:t>3/16/2021</a:t>
+              <a:t>3/18/2021</a:t>
             </a:fld>
             <a:endParaRPr lang="en-US"/>
           </a:p>
@@ -2403,7 +2403,7 @@
           <a:p>
             <a:fld id="{627ED9C8-F09A-4D9E-BEC0-4725162E21FF}" type="datetimeFigureOut">
               <a:rPr lang="en-US" smtClean="0"/>
-              <a:t>3/16/2021</a:t>
+              <a:t>3/18/2021</a:t>
             </a:fld>
             <a:endParaRPr lang="en-US"/>
           </a:p>
@@ -2678,7 +2678,7 @@
           <a:p>
             <a:fld id="{627ED9C8-F09A-4D9E-BEC0-4725162E21FF}" type="datetimeFigureOut">
               <a:rPr lang="en-US" smtClean="0"/>
-              <a:t>3/16/2021</a:t>
+              <a:t>3/18/2021</a:t>
             </a:fld>
             <a:endParaRPr lang="en-US"/>
           </a:p>
@@ -2930,7 +2930,7 @@
           <a:p>
             <a:fld id="{627ED9C8-F09A-4D9E-BEC0-4725162E21FF}" type="datetimeFigureOut">
               <a:rPr lang="en-US" smtClean="0"/>
-              <a:t>3/16/2021</a:t>
+              <a:t>3/18/2021</a:t>
             </a:fld>
             <a:endParaRPr lang="en-US"/>
           </a:p>
@@ -3141,7 +3141,7 @@
           <a:p>
             <a:fld id="{627ED9C8-F09A-4D9E-BEC0-4725162E21FF}" type="datetimeFigureOut">
               <a:rPr lang="en-US" smtClean="0"/>
-              <a:t>3/16/2021</a:t>
+              <a:t>3/18/2021</a:t>
             </a:fld>
             <a:endParaRPr lang="en-US"/>
           </a:p>
@@ -3575,7 +3575,7 @@
         </p:nvSpPr>
         <p:spPr>
           <a:xfrm>
-            <a:off x="2283228" y="91439"/>
+            <a:off x="1973504" y="91440"/>
             <a:ext cx="1761692" cy="565265"/>
           </a:xfrm>
           <a:prstGeom prst="roundRect">
@@ -3637,7 +3637,7 @@
         </p:nvSpPr>
         <p:spPr>
           <a:xfrm>
-            <a:off x="4246114" y="91440"/>
+            <a:off x="3944910" y="91440"/>
             <a:ext cx="1737360" cy="565265"/>
           </a:xfrm>
           <a:prstGeom prst="roundRect">
@@ -3699,13 +3699,18 @@
         </p:nvSpPr>
         <p:spPr>
           <a:xfrm>
-            <a:off x="6184668" y="91440"/>
-            <a:ext cx="1437497" cy="565265"/>
+            <a:off x="5891984" y="91440"/>
+            <a:ext cx="1737360" cy="565265"/>
           </a:xfrm>
           <a:prstGeom prst="roundRect">
             <a:avLst/>
           </a:prstGeom>
-          <a:noFill/>
+          <a:blipFill>
+            <a:blip r:embed="rId5"/>
+            <a:stretch>
+              <a:fillRect/>
+            </a:stretch>
+          </a:blipFill>
           <a:ln w="12700">
             <a:solidFill>
               <a:schemeClr val="tx1">

--- a/Dashboard/Driver background.pptx
+++ b/Dashboard/Driver background.pptx
@@ -197,7 +197,7 @@
           <a:p>
             <a:fld id="{3CF591F3-3830-45F1-83A4-BCC5E0FCDD99}" type="datetimeFigureOut">
               <a:rPr lang="pt-BR" smtClean="0"/>
-              <a:t>18/03/2021</a:t>
+              <a:t>05/04/2021</a:t>
             </a:fld>
             <a:endParaRPr lang="pt-BR"/>
           </a:p>
@@ -839,7 +839,7 @@
           <a:p>
             <a:fld id="{627ED9C8-F09A-4D9E-BEC0-4725162E21FF}" type="datetimeFigureOut">
               <a:rPr lang="en-US" smtClean="0"/>
-              <a:t>3/18/2021</a:t>
+              <a:t>4/5/2021</a:t>
             </a:fld>
             <a:endParaRPr lang="en-US"/>
           </a:p>
@@ -1007,7 +1007,7 @@
           <a:p>
             <a:fld id="{627ED9C8-F09A-4D9E-BEC0-4725162E21FF}" type="datetimeFigureOut">
               <a:rPr lang="en-US" smtClean="0"/>
-              <a:t>3/18/2021</a:t>
+              <a:t>4/5/2021</a:t>
             </a:fld>
             <a:endParaRPr lang="en-US"/>
           </a:p>
@@ -1185,7 +1185,7 @@
           <a:p>
             <a:fld id="{627ED9C8-F09A-4D9E-BEC0-4725162E21FF}" type="datetimeFigureOut">
               <a:rPr lang="en-US" smtClean="0"/>
-              <a:t>3/18/2021</a:t>
+              <a:t>4/5/2021</a:t>
             </a:fld>
             <a:endParaRPr lang="en-US"/>
           </a:p>
@@ -1353,7 +1353,7 @@
           <a:p>
             <a:fld id="{627ED9C8-F09A-4D9E-BEC0-4725162E21FF}" type="datetimeFigureOut">
               <a:rPr lang="en-US" smtClean="0"/>
-              <a:t>3/18/2021</a:t>
+              <a:t>4/5/2021</a:t>
             </a:fld>
             <a:endParaRPr lang="en-US"/>
           </a:p>
@@ -1598,7 +1598,7 @@
           <a:p>
             <a:fld id="{627ED9C8-F09A-4D9E-BEC0-4725162E21FF}" type="datetimeFigureOut">
               <a:rPr lang="en-US" smtClean="0"/>
-              <a:t>3/18/2021</a:t>
+              <a:t>4/5/2021</a:t>
             </a:fld>
             <a:endParaRPr lang="en-US"/>
           </a:p>
@@ -1827,7 +1827,7 @@
           <a:p>
             <a:fld id="{627ED9C8-F09A-4D9E-BEC0-4725162E21FF}" type="datetimeFigureOut">
               <a:rPr lang="en-US" smtClean="0"/>
-              <a:t>3/18/2021</a:t>
+              <a:t>4/5/2021</a:t>
             </a:fld>
             <a:endParaRPr lang="en-US"/>
           </a:p>
@@ -2191,7 +2191,7 @@
           <a:p>
             <a:fld id="{627ED9C8-F09A-4D9E-BEC0-4725162E21FF}" type="datetimeFigureOut">
               <a:rPr lang="en-US" smtClean="0"/>
-              <a:t>3/18/2021</a:t>
+              <a:t>4/5/2021</a:t>
             </a:fld>
             <a:endParaRPr lang="en-US"/>
           </a:p>
@@ -2308,7 +2308,7 @@
           <a:p>
             <a:fld id="{627ED9C8-F09A-4D9E-BEC0-4725162E21FF}" type="datetimeFigureOut">
               <a:rPr lang="en-US" smtClean="0"/>
-              <a:t>3/18/2021</a:t>
+              <a:t>4/5/2021</a:t>
             </a:fld>
             <a:endParaRPr lang="en-US"/>
           </a:p>
@@ -2403,7 +2403,7 @@
           <a:p>
             <a:fld id="{627ED9C8-F09A-4D9E-BEC0-4725162E21FF}" type="datetimeFigureOut">
               <a:rPr lang="en-US" smtClean="0"/>
-              <a:t>3/18/2021</a:t>
+              <a:t>4/5/2021</a:t>
             </a:fld>
             <a:endParaRPr lang="en-US"/>
           </a:p>
@@ -2678,7 +2678,7 @@
           <a:p>
             <a:fld id="{627ED9C8-F09A-4D9E-BEC0-4725162E21FF}" type="datetimeFigureOut">
               <a:rPr lang="en-US" smtClean="0"/>
-              <a:t>3/18/2021</a:t>
+              <a:t>4/5/2021</a:t>
             </a:fld>
             <a:endParaRPr lang="en-US"/>
           </a:p>
@@ -2930,7 +2930,7 @@
           <a:p>
             <a:fld id="{627ED9C8-F09A-4D9E-BEC0-4725162E21FF}" type="datetimeFigureOut">
               <a:rPr lang="en-US" smtClean="0"/>
-              <a:t>3/18/2021</a:t>
+              <a:t>4/5/2021</a:t>
             </a:fld>
             <a:endParaRPr lang="en-US"/>
           </a:p>
@@ -3141,7 +3141,7 @@
           <a:p>
             <a:fld id="{627ED9C8-F09A-4D9E-BEC0-4725162E21FF}" type="datetimeFigureOut">
               <a:rPr lang="en-US" smtClean="0"/>
-              <a:t>3/18/2021</a:t>
+              <a:t>4/5/2021</a:t>
             </a:fld>
             <a:endParaRPr lang="en-US"/>
           </a:p>
@@ -3575,7 +3575,7 @@
         </p:nvSpPr>
         <p:spPr>
           <a:xfrm>
-            <a:off x="1973504" y="91440"/>
+            <a:off x="1190947" y="91440"/>
             <a:ext cx="1761692" cy="565265"/>
           </a:xfrm>
           <a:prstGeom prst="roundRect">
@@ -3637,7 +3637,7 @@
         </p:nvSpPr>
         <p:spPr>
           <a:xfrm>
-            <a:off x="3944910" y="91440"/>
+            <a:off x="3338126" y="91439"/>
             <a:ext cx="1737360" cy="565265"/>
           </a:xfrm>
           <a:prstGeom prst="roundRect">
@@ -3699,7 +3699,7 @@
         </p:nvSpPr>
         <p:spPr>
           <a:xfrm>
-            <a:off x="5891984" y="91440"/>
+            <a:off x="5460973" y="91440"/>
             <a:ext cx="1737360" cy="565265"/>
           </a:xfrm>
           <a:prstGeom prst="roundRect">
